--- a/Class 1/Browser and JavaScript.pptx
+++ b/Class 1/Browser and JavaScript.pptx
@@ -5482,8 +5482,8 @@
           </a:p>
         </p:txBody>
       </p:sp>
-      <mc:AlternateContent xmlns:mc="http://schemas.openxmlformats.org/markup-compatibility/2006">
-        <mc:Choice xmlns:p14="http://schemas.microsoft.com/office/powerpoint/2010/main" Requires="p14">
+      <mc:AlternateContent xmlns:mc="http://schemas.openxmlformats.org/markup-compatibility/2006" xmlns:p14="http://schemas.microsoft.com/office/powerpoint/2010/main">
+        <mc:Choice Requires="p14">
           <p:contentPart p14:bwMode="auto" r:id="rId2">
             <p14:nvContentPartPr>
               <p14:cNvPr id="4" name="Ink 3"/>
@@ -5496,7 +5496,7 @@
             </p14:xfrm>
           </p:contentPart>
         </mc:Choice>
-        <mc:Fallback>
+        <mc:Fallback xmlns="">
           <p:pic>
             <p:nvPicPr>
               <p:cNvPr id="4" name="Ink 3"/>
@@ -5521,8 +5521,8 @@
           </p:pic>
         </mc:Fallback>
       </mc:AlternateContent>
-      <mc:AlternateContent xmlns:mc="http://schemas.openxmlformats.org/markup-compatibility/2006">
-        <mc:Choice xmlns:p14="http://schemas.microsoft.com/office/powerpoint/2010/main" Requires="p14">
+      <mc:AlternateContent xmlns:mc="http://schemas.openxmlformats.org/markup-compatibility/2006" xmlns:p14="http://schemas.microsoft.com/office/powerpoint/2010/main">
+        <mc:Choice Requires="p14">
           <p:contentPart p14:bwMode="auto" r:id="rId4">
             <p14:nvContentPartPr>
               <p14:cNvPr id="5" name="Ink 4"/>
@@ -5535,7 +5535,7 @@
             </p14:xfrm>
           </p:contentPart>
         </mc:Choice>
-        <mc:Fallback>
+        <mc:Fallback xmlns="">
           <p:pic>
             <p:nvPicPr>
               <p:cNvPr id="5" name="Ink 4"/>
@@ -6972,7 +6972,7 @@
         </p:nvSpPr>
         <p:spPr>
           <a:xfrm>
-            <a:off x="4191000" y="1600200"/>
+            <a:off x="4229100" y="1380392"/>
             <a:ext cx="4495800" cy="4953000"/>
           </a:xfrm>
           <a:ln>
@@ -7017,7 +7017,11 @@
             </a:r>
             <a:r>
               <a:rPr lang="en-US" sz="1800" dirty="0" smtClean="0"/>
-              <a:t> foo;</a:t>
+              <a:t> </a:t>
+            </a:r>
+            <a:r>
+              <a:rPr lang="en-US" sz="1800" dirty="0" smtClean="0"/>
+              <a:t>foo;</a:t>
             </a:r>
           </a:p>
           <a:p>
@@ -7104,17 +7108,8 @@
             </a:r>
             <a:r>
               <a:rPr lang="en-US" sz="1800" dirty="0" smtClean="0"/>
-              <a:t>		alert</a:t>
-            </a:r>
-            <a:r>
-              <a:rPr lang="en-US" sz="1800" dirty="0"/>
-              <a:t>("this won't run!");</a:t>
-            </a:r>
-          </a:p>
-          <a:p>
-            <a:pPr marL="0" indent="0">
-              <a:buNone/>
-            </a:pPr>
+              <a:t>		</a:t>
+            </a:r>
             <a:r>
               <a:rPr lang="en-US" sz="1800" dirty="0"/>
               <a:t>	</a:t>
@@ -7155,7 +7150,7 @@
         </p:nvSpPr>
         <p:spPr>
           <a:xfrm>
-            <a:off x="457200" y="1600200"/>
+            <a:off x="457200" y="1380392"/>
             <a:ext cx="3657600" cy="4953000"/>
           </a:xfrm>
           <a:prstGeom prst="rect">
@@ -7686,7 +7681,7 @@
             </a:r>
             <a:r>
               <a:rPr lang="en-US" dirty="0" smtClean="0"/>
-              <a:t> </a:t>
+              <a:t>  </a:t>
             </a:r>
             <a:r>
               <a:rPr lang="en-US" b="1" dirty="0"/>
@@ -8028,15 +8023,7 @@
             </a:r>
             <a:r>
               <a:rPr lang="en-US" dirty="0" smtClean="0"/>
-              <a:t>You can </a:t>
-            </a:r>
-            <a:r>
-              <a:rPr lang="en-US" smtClean="0"/>
-              <a:t>use bootstrap(That’ll </a:t>
-            </a:r>
-            <a:r>
-              <a:rPr lang="en-US" dirty="0" smtClean="0"/>
-              <a:t>be nice). Do it like the best you can do</a:t>
+              <a:t>You can use bootstrap(That’ll be nice). Do it like the best you can do</a:t>
             </a:r>
             <a:endParaRPr lang="en-US" dirty="0"/>
           </a:p>
